--- a/doc/data.pptx
+++ b/doc/data.pptx
@@ -6,10 +6,11 @@
   </p:sldMasterIdLst>
   <p:sldIdLst>
     <p:sldId id="256" r:id="rId2"/>
-    <p:sldId id="257" r:id="rId3"/>
-    <p:sldId id="258" r:id="rId4"/>
-    <p:sldId id="259" r:id="rId5"/>
-    <p:sldId id="260" r:id="rId6"/>
+    <p:sldId id="261" r:id="rId3"/>
+    <p:sldId id="257" r:id="rId4"/>
+    <p:sldId id="258" r:id="rId5"/>
+    <p:sldId id="259" r:id="rId6"/>
+    <p:sldId id="260" r:id="rId7"/>
   </p:sldIdLst>
   <p:sldSz cx="12192000" cy="6858000"/>
   <p:notesSz cx="6858000" cy="9144000"/>
@@ -108,6 +109,11 @@
       </a:defRPr>
     </a:lvl9pPr>
   </p:defaultTextStyle>
+  <p:extLst>
+    <p:ext uri="{EFAFB233-063F-42B5-8137-9DF3F51BA10A}">
+      <p15:sldGuideLst xmlns:p15="http://schemas.microsoft.com/office/powerpoint/2012/main"/>
+    </p:ext>
+  </p:extLst>
 </p:presentation>
 </file>
 
@@ -3685,7 +3691,7 @@
           <p:cNvPr id="4" name="文本框 3">
             <a:extLst>
               <a:ext uri="{FF2B5EF4-FFF2-40B4-BE49-F238E27FC236}">
-                <a16:creationId xmlns:a16="http://schemas.microsoft.com/office/drawing/2014/main" id="{6BBFFA9B-0A7F-CB61-05E5-437AA3BD58BF}"/>
+                <a16:creationId xmlns:a16="http://schemas.microsoft.com/office/drawing/2014/main" id="{262D2D6E-E6C0-137A-BC0C-A93C67428025}"/>
               </a:ext>
             </a:extLst>
           </p:cNvPr>
@@ -3695,7 +3701,7 @@
         <p:spPr>
           <a:xfrm>
             <a:off x="959468" y="422639"/>
-            <a:ext cx="6506400" cy="646331"/>
+            <a:ext cx="6589527" cy="646331"/>
           </a:xfrm>
           <a:prstGeom prst="rect">
             <a:avLst/>
@@ -3710,103 +3716,16 @@
           <a:p>
             <a:r>
               <a:rPr lang="zh-CN" altLang="en-US" sz="3600" b="1" dirty="0"/>
-              <a:t>数据处理：通过</a:t>
+              <a:t>数据处理：加入</a:t>
             </a:r>
             <a:r>
               <a:rPr lang="en-US" altLang="zh-CN" sz="3600" b="1" dirty="0"/>
-              <a:t>IQR</a:t>
+              <a:t>LEDD</a:t>
             </a:r>
             <a:r>
               <a:rPr lang="zh-CN" altLang="en-US" sz="3600" b="1" dirty="0"/>
-              <a:t>筛选</a:t>
-            </a:r>
-          </a:p>
-        </p:txBody>
-      </p:sp>
-      <p:sp>
-        <p:nvSpPr>
-          <p:cNvPr id="7" name="文本框 6">
-            <a:extLst>
-              <a:ext uri="{FF2B5EF4-FFF2-40B4-BE49-F238E27FC236}">
-                <a16:creationId xmlns:a16="http://schemas.microsoft.com/office/drawing/2014/main" id="{1AC37C9E-09A1-673F-A5E7-19B7D6A29C37}"/>
-              </a:ext>
-            </a:extLst>
-          </p:cNvPr>
-          <p:cNvSpPr txBox="1"/>
-          <p:nvPr/>
-        </p:nvSpPr>
-        <p:spPr>
-          <a:xfrm>
-            <a:off x="959468" y="4385410"/>
-            <a:ext cx="9884541" cy="1384995"/>
-          </a:xfrm>
-          <a:prstGeom prst="rect">
-            <a:avLst/>
-          </a:prstGeom>
-          <a:noFill/>
-        </p:spPr>
-        <p:txBody>
-          <a:bodyPr wrap="square" rtlCol="0">
-            <a:spAutoFit/>
-          </a:bodyPr>
-          <a:lstStyle/>
-          <a:p>
-            <a:pPr marL="457200" indent="-457200">
-              <a:buAutoNum type="arabicPeriod"/>
-            </a:pPr>
-            <a:r>
-              <a:rPr lang="en-US" altLang="zh-CN" sz="2800" dirty="0"/>
-              <a:t>CAT12</a:t>
-            </a:r>
-            <a:r>
-              <a:rPr lang="zh-CN" altLang="en-US" sz="2800" dirty="0"/>
-              <a:t>分割报告中提供图像质量评分，存储在</a:t>
-            </a:r>
-            <a:r>
-              <a:rPr lang="en-US" altLang="zh-CN" sz="2800" dirty="0"/>
-              <a:t>xml</a:t>
-            </a:r>
-            <a:r>
-              <a:rPr lang="zh-CN" altLang="en-US" sz="2800" dirty="0"/>
-              <a:t>文件中</a:t>
-            </a:r>
-            <a:endParaRPr lang="en-US" altLang="zh-CN" sz="2800" dirty="0"/>
-          </a:p>
-          <a:p>
-            <a:pPr marL="457200" indent="-457200">
-              <a:buAutoNum type="arabicPeriod"/>
-            </a:pPr>
-            <a:r>
-              <a:rPr lang="zh-CN" altLang="en-US" sz="2800" dirty="0"/>
-              <a:t>通过</a:t>
-            </a:r>
-            <a:r>
-              <a:rPr lang="en-US" altLang="zh-CN" sz="2800" dirty="0"/>
-              <a:t>python</a:t>
-            </a:r>
-            <a:r>
-              <a:rPr lang="zh-CN" altLang="en-US" sz="2800" dirty="0"/>
-              <a:t>提取每条记录影像质量</a:t>
-            </a:r>
-            <a:endParaRPr lang="en-US" altLang="zh-CN" sz="2800" dirty="0"/>
-          </a:p>
-          <a:p>
-            <a:pPr marL="457200" indent="-457200">
-              <a:buAutoNum type="arabicPeriod"/>
-            </a:pPr>
-            <a:r>
-              <a:rPr lang="zh-CN" altLang="en-US" sz="2800" dirty="0"/>
-              <a:t>以</a:t>
-            </a:r>
-            <a:r>
-              <a:rPr lang="en-US" altLang="zh-CN" sz="2800" dirty="0"/>
-              <a:t>70</a:t>
-            </a:r>
-            <a:r>
-              <a:rPr lang="zh-CN" altLang="en-US" sz="2800" dirty="0"/>
-              <a:t>分为阈值筛选记录</a:t>
-            </a:r>
-            <a:endParaRPr lang="en-US" altLang="zh-CN" sz="2800" dirty="0"/>
+              <a:t>数据</a:t>
+            </a:r>
           </a:p>
         </p:txBody>
       </p:sp>
@@ -3815,7 +3734,7 @@
           <p:cNvPr id="3" name="图片 2">
             <a:extLst>
               <a:ext uri="{FF2B5EF4-FFF2-40B4-BE49-F238E27FC236}">
-                <a16:creationId xmlns:a16="http://schemas.microsoft.com/office/drawing/2014/main" id="{CEE1A3FB-8817-0BDE-E790-59E9C221ABF2}"/>
+                <a16:creationId xmlns:a16="http://schemas.microsoft.com/office/drawing/2014/main" id="{A3E452C9-114D-0D5A-3A04-F56A38B43C10}"/>
               </a:ext>
             </a:extLst>
           </p:cNvPr>
@@ -3825,21 +3744,75 @@
           <p:nvPr/>
         </p:nvPicPr>
         <p:blipFill>
-          <a:blip r:embed="rId2">
-            <a:extLst>
-              <a:ext uri="{28A0092B-C50C-407E-A947-70E740481C1C}">
-                <a14:useLocalDpi xmlns:a14="http://schemas.microsoft.com/office/drawing/2010/main" val="0"/>
-              </a:ext>
-            </a:extLst>
-          </a:blip>
+          <a:blip r:embed="rId2"/>
           <a:stretch>
             <a:fillRect/>
           </a:stretch>
         </p:blipFill>
         <p:spPr>
           <a:xfrm>
-            <a:off x="1982050" y="1594131"/>
-            <a:ext cx="6995695" cy="2218147"/>
+            <a:off x="564874" y="2106053"/>
+            <a:ext cx="3583240" cy="2823749"/>
+          </a:xfrm>
+          <a:prstGeom prst="rect">
+            <a:avLst/>
+          </a:prstGeom>
+        </p:spPr>
+      </p:pic>
+      <p:pic>
+        <p:nvPicPr>
+          <p:cNvPr id="6" name="图片 5">
+            <a:extLst>
+              <a:ext uri="{FF2B5EF4-FFF2-40B4-BE49-F238E27FC236}">
+                <a16:creationId xmlns:a16="http://schemas.microsoft.com/office/drawing/2014/main" id="{1D09F58F-9BD9-E2CA-FCBB-FC93A14B6097}"/>
+              </a:ext>
+            </a:extLst>
+          </p:cNvPr>
+          <p:cNvPicPr>
+            <a:picLocks noChangeAspect="1"/>
+          </p:cNvPicPr>
+          <p:nvPr/>
+        </p:nvPicPr>
+        <p:blipFill>
+          <a:blip r:embed="rId3"/>
+          <a:stretch>
+            <a:fillRect/>
+          </a:stretch>
+        </p:blipFill>
+        <p:spPr>
+          <a:xfrm>
+            <a:off x="4519070" y="2106052"/>
+            <a:ext cx="3524818" cy="2823749"/>
+          </a:xfrm>
+          <a:prstGeom prst="rect">
+            <a:avLst/>
+          </a:prstGeom>
+        </p:spPr>
+      </p:pic>
+      <p:pic>
+        <p:nvPicPr>
+          <p:cNvPr id="10" name="图片 9">
+            <a:extLst>
+              <a:ext uri="{FF2B5EF4-FFF2-40B4-BE49-F238E27FC236}">
+                <a16:creationId xmlns:a16="http://schemas.microsoft.com/office/drawing/2014/main" id="{0D86FC76-12A8-B03B-16A5-0132FBEF92A0}"/>
+              </a:ext>
+            </a:extLst>
+          </p:cNvPr>
+          <p:cNvPicPr>
+            <a:picLocks noChangeAspect="1"/>
+          </p:cNvPicPr>
+          <p:nvPr/>
+        </p:nvPicPr>
+        <p:blipFill>
+          <a:blip r:embed="rId4"/>
+          <a:stretch>
+            <a:fillRect/>
+          </a:stretch>
+        </p:blipFill>
+        <p:spPr>
+          <a:xfrm>
+            <a:off x="8414844" y="2106052"/>
+            <a:ext cx="3524818" cy="2823749"/>
           </a:xfrm>
           <a:prstGeom prst="rect">
             <a:avLst/>
@@ -3849,7 +3822,7 @@
     </p:spTree>
     <p:extLst>
       <p:ext uri="{BB962C8B-B14F-4D97-AF65-F5344CB8AC3E}">
-        <p14:creationId xmlns:p14="http://schemas.microsoft.com/office/powerpoint/2010/main" val="3418106522"/>
+        <p14:creationId xmlns:p14="http://schemas.microsoft.com/office/powerpoint/2010/main" val="3000406135"/>
       </p:ext>
     </p:extLst>
   </p:cSld>
@@ -3905,19 +3878,26 @@
           <a:lstStyle/>
           <a:p>
             <a:r>
+              <a:rPr lang="zh-CN" altLang="en-US" sz="3600" b="1" dirty="0"/>
+              <a:t>数据处理：通过</a:t>
+            </a:r>
+            <a:r>
               <a:rPr lang="en-US" altLang="zh-CN" sz="3600" b="1" dirty="0"/>
-              <a:t>Pipeline: Python</a:t>
-            </a:r>
-            <a:endParaRPr lang="zh-CN" altLang="en-US" sz="3600" b="1" dirty="0"/>
-          </a:p>
-        </p:txBody>
-      </p:sp>
-      <p:sp>
-        <p:nvSpPr>
-          <p:cNvPr id="2" name="文本框 1">
-            <a:extLst>
-              <a:ext uri="{FF2B5EF4-FFF2-40B4-BE49-F238E27FC236}">
-                <a16:creationId xmlns:a16="http://schemas.microsoft.com/office/drawing/2014/main" id="{22CC46BE-4919-66D0-0BC4-693ADC5CAD07}"/>
+              <a:t>IQR</a:t>
+            </a:r>
+            <a:r>
+              <a:rPr lang="zh-CN" altLang="en-US" sz="3600" b="1" dirty="0"/>
+              <a:t>筛选</a:t>
+            </a:r>
+          </a:p>
+        </p:txBody>
+      </p:sp>
+      <p:sp>
+        <p:nvSpPr>
+          <p:cNvPr id="7" name="文本框 6">
+            <a:extLst>
+              <a:ext uri="{FF2B5EF4-FFF2-40B4-BE49-F238E27FC236}">
+                <a16:creationId xmlns:a16="http://schemas.microsoft.com/office/drawing/2014/main" id="{1AC37C9E-09A1-673F-A5E7-19B7D6A29C37}"/>
               </a:ext>
             </a:extLst>
           </p:cNvPr>
@@ -3926,18 +3906,13 @@
         </p:nvSpPr>
         <p:spPr>
           <a:xfrm>
-            <a:off x="1161115" y="2696622"/>
-            <a:ext cx="1728356" cy="707886"/>
+            <a:off x="959468" y="4385410"/>
+            <a:ext cx="9884541" cy="1384995"/>
           </a:xfrm>
           <a:prstGeom prst="rect">
             <a:avLst/>
           </a:prstGeom>
           <a:noFill/>
-          <a:ln>
-            <a:solidFill>
-              <a:schemeClr val="tx1"/>
-            </a:solidFill>
-          </a:ln>
         </p:spPr>
         <p:txBody>
           <a:bodyPr wrap="square" rtlCol="0">
@@ -3945,929 +3920,105 @@
           </a:bodyPr>
           <a:lstStyle/>
           <a:p>
-            <a:pPr algn="ctr"/>
-            <a:r>
-              <a:rPr lang="en-US" altLang="zh-CN" sz="2000" dirty="0"/>
-              <a:t>CAT12 pipeline</a:t>
-            </a:r>
-            <a:endParaRPr lang="zh-CN" altLang="en-US" sz="2000" dirty="0"/>
-          </a:p>
-        </p:txBody>
-      </p:sp>
-      <p:cxnSp>
-        <p:nvCxnSpPr>
-          <p:cNvPr id="6" name="直接连接符 5">
-            <a:extLst>
-              <a:ext uri="{FF2B5EF4-FFF2-40B4-BE49-F238E27FC236}">
-                <a16:creationId xmlns:a16="http://schemas.microsoft.com/office/drawing/2014/main" id="{F0784739-62D0-1EC2-57E7-FC468764652F}"/>
-              </a:ext>
-            </a:extLst>
-          </p:cNvPr>
-          <p:cNvCxnSpPr>
-            <a:cxnSpLocks/>
-          </p:cNvCxnSpPr>
+            <a:pPr marL="457200" indent="-457200">
+              <a:buAutoNum type="arabicPeriod"/>
+            </a:pPr>
+            <a:r>
+              <a:rPr lang="en-US" altLang="zh-CN" sz="2800" dirty="0"/>
+              <a:t>CAT12</a:t>
+            </a:r>
+            <a:r>
+              <a:rPr lang="zh-CN" altLang="en-US" sz="2800" dirty="0"/>
+              <a:t>分割报告中提供图像质量评分，存储在</a:t>
+            </a:r>
+            <a:r>
+              <a:rPr lang="en-US" altLang="zh-CN" sz="2800" dirty="0"/>
+              <a:t>xml</a:t>
+            </a:r>
+            <a:r>
+              <a:rPr lang="zh-CN" altLang="en-US" sz="2800" dirty="0"/>
+              <a:t>文件中</a:t>
+            </a:r>
+            <a:endParaRPr lang="en-US" altLang="zh-CN" sz="2800" dirty="0"/>
+          </a:p>
+          <a:p>
+            <a:pPr marL="457200" indent="-457200">
+              <a:buAutoNum type="arabicPeriod"/>
+            </a:pPr>
+            <a:r>
+              <a:rPr lang="zh-CN" altLang="en-US" sz="2800" dirty="0"/>
+              <a:t>通过</a:t>
+            </a:r>
+            <a:r>
+              <a:rPr lang="en-US" altLang="zh-CN" sz="2800" dirty="0"/>
+              <a:t>python</a:t>
+            </a:r>
+            <a:r>
+              <a:rPr lang="zh-CN" altLang="en-US" sz="2800" dirty="0"/>
+              <a:t>提取每条记录影像质量</a:t>
+            </a:r>
+            <a:endParaRPr lang="en-US" altLang="zh-CN" sz="2800" dirty="0"/>
+          </a:p>
+          <a:p>
+            <a:pPr marL="457200" indent="-457200">
+              <a:buAutoNum type="arabicPeriod"/>
+            </a:pPr>
+            <a:r>
+              <a:rPr lang="zh-CN" altLang="en-US" sz="2800" dirty="0"/>
+              <a:t>以</a:t>
+            </a:r>
+            <a:r>
+              <a:rPr lang="en-US" altLang="zh-CN" sz="2800" dirty="0"/>
+              <a:t>70</a:t>
+            </a:r>
+            <a:r>
+              <a:rPr lang="zh-CN" altLang="en-US" sz="2800" dirty="0"/>
+              <a:t>分为阈值筛选记录</a:t>
+            </a:r>
+            <a:endParaRPr lang="en-US" altLang="zh-CN" sz="2800" dirty="0"/>
+          </a:p>
+        </p:txBody>
+      </p:sp>
+      <p:pic>
+        <p:nvPicPr>
+          <p:cNvPr id="3" name="图片 2">
+            <a:extLst>
+              <a:ext uri="{FF2B5EF4-FFF2-40B4-BE49-F238E27FC236}">
+                <a16:creationId xmlns:a16="http://schemas.microsoft.com/office/drawing/2014/main" id="{CEE1A3FB-8817-0BDE-E790-59E9C221ABF2}"/>
+              </a:ext>
+            </a:extLst>
+          </p:cNvPr>
+          <p:cNvPicPr>
+            <a:picLocks noChangeAspect="1"/>
+          </p:cNvPicPr>
           <p:nvPr/>
-        </p:nvCxnSpPr>
-        <p:spPr>
-          <a:xfrm>
-            <a:off x="4082784" y="1143000"/>
-            <a:ext cx="0" cy="5309755"/>
-          </a:xfrm>
-          <a:prstGeom prst="line">
-            <a:avLst/>
-          </a:prstGeom>
-          <a:ln w="12700">
-            <a:prstDash val="dashDot"/>
-          </a:ln>
-        </p:spPr>
-        <p:style>
-          <a:lnRef idx="1">
-            <a:schemeClr val="dk1"/>
-          </a:lnRef>
-          <a:fillRef idx="0">
-            <a:schemeClr val="dk1"/>
-          </a:fillRef>
-          <a:effectRef idx="0">
-            <a:schemeClr val="dk1"/>
-          </a:effectRef>
-          <a:fontRef idx="minor">
-            <a:schemeClr val="tx1"/>
-          </a:fontRef>
-        </p:style>
-      </p:cxnSp>
-      <p:cxnSp>
-        <p:nvCxnSpPr>
-          <p:cNvPr id="9" name="直接连接符 8">
-            <a:extLst>
-              <a:ext uri="{FF2B5EF4-FFF2-40B4-BE49-F238E27FC236}">
-                <a16:creationId xmlns:a16="http://schemas.microsoft.com/office/drawing/2014/main" id="{4F1072D0-DAF2-7F91-1953-D36EDE65CDB9}"/>
-              </a:ext>
-            </a:extLst>
-          </p:cNvPr>
-          <p:cNvCxnSpPr>
-            <a:cxnSpLocks/>
-          </p:cNvCxnSpPr>
-          <p:nvPr/>
-        </p:nvCxnSpPr>
-        <p:spPr>
-          <a:xfrm>
-            <a:off x="8135273" y="1143000"/>
-            <a:ext cx="0" cy="5309755"/>
-          </a:xfrm>
-          <a:prstGeom prst="line">
-            <a:avLst/>
-          </a:prstGeom>
-          <a:ln w="12700">
-            <a:prstDash val="dashDot"/>
-          </a:ln>
-        </p:spPr>
-        <p:style>
-          <a:lnRef idx="1">
-            <a:schemeClr val="dk1"/>
-          </a:lnRef>
-          <a:fillRef idx="0">
-            <a:schemeClr val="dk1"/>
-          </a:fillRef>
-          <a:effectRef idx="0">
-            <a:schemeClr val="dk1"/>
-          </a:effectRef>
-          <a:fontRef idx="minor">
-            <a:schemeClr val="tx1"/>
-          </a:fontRef>
-        </p:style>
-      </p:cxnSp>
-      <p:sp>
-        <p:nvSpPr>
-          <p:cNvPr id="10" name="文本框 9">
-            <a:extLst>
-              <a:ext uri="{FF2B5EF4-FFF2-40B4-BE49-F238E27FC236}">
-                <a16:creationId xmlns:a16="http://schemas.microsoft.com/office/drawing/2014/main" id="{2A2137A0-8118-E08F-7FA4-3BA6AC9C6077}"/>
-              </a:ext>
-            </a:extLst>
-          </p:cNvPr>
-          <p:cNvSpPr txBox="1"/>
-          <p:nvPr/>
-        </p:nvSpPr>
-        <p:spPr>
-          <a:xfrm>
-            <a:off x="820923" y="1226127"/>
-            <a:ext cx="2301546" cy="461665"/>
+        </p:nvPicPr>
+        <p:blipFill>
+          <a:blip r:embed="rId2">
+            <a:extLst>
+              <a:ext uri="{28A0092B-C50C-407E-A947-70E740481C1C}">
+                <a14:useLocalDpi xmlns:a14="http://schemas.microsoft.com/office/drawing/2010/main" val="0"/>
+              </a:ext>
+            </a:extLst>
+          </a:blip>
+          <a:stretch>
+            <a:fillRect/>
+          </a:stretch>
+        </p:blipFill>
+        <p:spPr>
+          <a:xfrm>
+            <a:off x="1982050" y="1594131"/>
+            <a:ext cx="6995695" cy="2218147"/>
           </a:xfrm>
           <a:prstGeom prst="rect">
             <a:avLst/>
           </a:prstGeom>
-          <a:noFill/>
-        </p:spPr>
-        <p:txBody>
-          <a:bodyPr wrap="square" rtlCol="0">
-            <a:spAutoFit/>
-          </a:bodyPr>
-          <a:lstStyle/>
-          <a:p>
-            <a:r>
-              <a:rPr lang="en-US" altLang="zh-CN" sz="2400" b="1" dirty="0"/>
-              <a:t>Preprocessing</a:t>
-            </a:r>
-            <a:endParaRPr lang="zh-CN" altLang="en-US" sz="2400" b="1" dirty="0"/>
-          </a:p>
-        </p:txBody>
-      </p:sp>
-      <p:sp>
-        <p:nvSpPr>
-          <p:cNvPr id="11" name="文本框 10">
-            <a:extLst>
-              <a:ext uri="{FF2B5EF4-FFF2-40B4-BE49-F238E27FC236}">
-                <a16:creationId xmlns:a16="http://schemas.microsoft.com/office/drawing/2014/main" id="{2EA6BE46-3CFD-BE6F-2EEC-14629A2D127D}"/>
-              </a:ext>
-            </a:extLst>
-          </p:cNvPr>
-          <p:cNvSpPr txBox="1"/>
-          <p:nvPr/>
-        </p:nvSpPr>
-        <p:spPr>
-          <a:xfrm>
-            <a:off x="4740883" y="1226127"/>
-            <a:ext cx="2710233" cy="461665"/>
-          </a:xfrm>
-          <a:prstGeom prst="rect">
-            <a:avLst/>
-          </a:prstGeom>
-          <a:noFill/>
-        </p:spPr>
-        <p:txBody>
-          <a:bodyPr wrap="square" rtlCol="0">
-            <a:spAutoFit/>
-          </a:bodyPr>
-          <a:lstStyle/>
-          <a:p>
-            <a:r>
-              <a:rPr lang="en-US" altLang="zh-CN" sz="2400" b="1" dirty="0"/>
-              <a:t>Feature extraction</a:t>
-            </a:r>
-            <a:endParaRPr lang="zh-CN" altLang="en-US" sz="2400" b="1" dirty="0"/>
-          </a:p>
-        </p:txBody>
-      </p:sp>
-      <p:sp>
-        <p:nvSpPr>
-          <p:cNvPr id="12" name="文本框 11">
-            <a:extLst>
-              <a:ext uri="{FF2B5EF4-FFF2-40B4-BE49-F238E27FC236}">
-                <a16:creationId xmlns:a16="http://schemas.microsoft.com/office/drawing/2014/main" id="{B3B96270-8B58-6ACC-9988-7925345A9A50}"/>
-              </a:ext>
-            </a:extLst>
-          </p:cNvPr>
-          <p:cNvSpPr txBox="1"/>
-          <p:nvPr/>
-        </p:nvSpPr>
-        <p:spPr>
-          <a:xfrm>
-            <a:off x="9328587" y="1226127"/>
-            <a:ext cx="1654604" cy="461665"/>
-          </a:xfrm>
-          <a:prstGeom prst="rect">
-            <a:avLst/>
-          </a:prstGeom>
-          <a:noFill/>
-        </p:spPr>
-        <p:txBody>
-          <a:bodyPr wrap="square" rtlCol="0">
-            <a:spAutoFit/>
-          </a:bodyPr>
-          <a:lstStyle/>
-          <a:p>
-            <a:r>
-              <a:rPr lang="en-US" altLang="zh-CN" sz="2400" b="1" dirty="0"/>
-              <a:t>Estimation</a:t>
-            </a:r>
-            <a:endParaRPr lang="zh-CN" altLang="en-US" sz="2400" b="1" dirty="0"/>
-          </a:p>
-        </p:txBody>
-      </p:sp>
-      <p:sp>
-        <p:nvSpPr>
-          <p:cNvPr id="13" name="文本框 12">
-            <a:extLst>
-              <a:ext uri="{FF2B5EF4-FFF2-40B4-BE49-F238E27FC236}">
-                <a16:creationId xmlns:a16="http://schemas.microsoft.com/office/drawing/2014/main" id="{ED37A53C-2677-6E58-A8B8-E6B4B36E69D4}"/>
-              </a:ext>
-            </a:extLst>
-          </p:cNvPr>
-          <p:cNvSpPr txBox="1"/>
-          <p:nvPr/>
-        </p:nvSpPr>
-        <p:spPr>
-          <a:xfrm>
-            <a:off x="452044" y="2026873"/>
-            <a:ext cx="3356224" cy="338554"/>
-          </a:xfrm>
-          <a:prstGeom prst="rect">
-            <a:avLst/>
-          </a:prstGeom>
-          <a:noFill/>
-        </p:spPr>
-        <p:txBody>
-          <a:bodyPr wrap="square" rtlCol="0">
-            <a:spAutoFit/>
-          </a:bodyPr>
-          <a:lstStyle/>
-          <a:p>
-            <a:r>
-              <a:rPr lang="en-US" altLang="zh-CN" sz="1600" b="1" dirty="0" err="1"/>
-              <a:t>Nipype</a:t>
-            </a:r>
-            <a:r>
-              <a:rPr lang="en-US" altLang="zh-CN" sz="1600" b="1" dirty="0"/>
-              <a:t>: SPM, FSL, ANTs, CAT12 …</a:t>
-            </a:r>
-            <a:endParaRPr lang="zh-CN" altLang="en-US" sz="1600" b="1" dirty="0"/>
-          </a:p>
-        </p:txBody>
-      </p:sp>
-      <p:sp>
-        <p:nvSpPr>
-          <p:cNvPr id="14" name="文本框 13">
-            <a:extLst>
-              <a:ext uri="{FF2B5EF4-FFF2-40B4-BE49-F238E27FC236}">
-                <a16:creationId xmlns:a16="http://schemas.microsoft.com/office/drawing/2014/main" id="{9FC0B774-4460-DDF3-9630-A4FAF92C87E6}"/>
-              </a:ext>
-            </a:extLst>
-          </p:cNvPr>
-          <p:cNvSpPr txBox="1"/>
-          <p:nvPr/>
-        </p:nvSpPr>
-        <p:spPr>
-          <a:xfrm>
-            <a:off x="1161115" y="3731057"/>
-            <a:ext cx="1728356" cy="707886"/>
-          </a:xfrm>
-          <a:prstGeom prst="rect">
-            <a:avLst/>
-          </a:prstGeom>
-          <a:noFill/>
-          <a:ln>
-            <a:solidFill>
-              <a:schemeClr val="tx1"/>
-            </a:solidFill>
-          </a:ln>
-        </p:spPr>
-        <p:txBody>
-          <a:bodyPr wrap="square" rtlCol="0">
-            <a:spAutoFit/>
-          </a:bodyPr>
-          <a:lstStyle/>
-          <a:p>
-            <a:pPr algn="ctr"/>
-            <a:r>
-              <a:rPr lang="en-US" altLang="zh-CN" sz="2000" dirty="0"/>
-              <a:t>Other pipelines</a:t>
-            </a:r>
-            <a:endParaRPr lang="zh-CN" altLang="en-US" sz="2000" dirty="0"/>
-          </a:p>
-        </p:txBody>
-      </p:sp>
-      <p:sp>
-        <p:nvSpPr>
-          <p:cNvPr id="15" name="文本框 14">
-            <a:extLst>
-              <a:ext uri="{FF2B5EF4-FFF2-40B4-BE49-F238E27FC236}">
-                <a16:creationId xmlns:a16="http://schemas.microsoft.com/office/drawing/2014/main" id="{1AE68989-54E4-97FC-4A35-291FADFAF13F}"/>
-              </a:ext>
-            </a:extLst>
-          </p:cNvPr>
-          <p:cNvSpPr txBox="1"/>
-          <p:nvPr/>
-        </p:nvSpPr>
-        <p:spPr>
-          <a:xfrm>
-            <a:off x="1049120" y="4748862"/>
-            <a:ext cx="2162072" cy="400110"/>
-          </a:xfrm>
-          <a:prstGeom prst="rect">
-            <a:avLst/>
-          </a:prstGeom>
-          <a:noFill/>
-        </p:spPr>
-        <p:txBody>
-          <a:bodyPr wrap="square" rtlCol="0">
-            <a:spAutoFit/>
-          </a:bodyPr>
-          <a:lstStyle/>
-          <a:p>
-            <a:r>
-              <a:rPr lang="en-US" altLang="zh-CN" sz="2000" dirty="0"/>
-              <a:t>Parameters tweak</a:t>
-            </a:r>
-            <a:endParaRPr lang="zh-CN" altLang="en-US" sz="2000" dirty="0"/>
-          </a:p>
-        </p:txBody>
-      </p:sp>
-      <p:sp>
-        <p:nvSpPr>
-          <p:cNvPr id="16" name="文本框 15">
-            <a:extLst>
-              <a:ext uri="{FF2B5EF4-FFF2-40B4-BE49-F238E27FC236}">
-                <a16:creationId xmlns:a16="http://schemas.microsoft.com/office/drawing/2014/main" id="{269A5884-CE3E-8385-0D9B-F9DF50236FBA}"/>
-              </a:ext>
-            </a:extLst>
-          </p:cNvPr>
-          <p:cNvSpPr txBox="1"/>
-          <p:nvPr/>
-        </p:nvSpPr>
-        <p:spPr>
-          <a:xfrm>
-            <a:off x="5307192" y="5972030"/>
-            <a:ext cx="1728356" cy="400110"/>
-          </a:xfrm>
-          <a:prstGeom prst="rect">
-            <a:avLst/>
-          </a:prstGeom>
-          <a:noFill/>
-          <a:ln>
-            <a:solidFill>
-              <a:schemeClr val="tx1"/>
-            </a:solidFill>
-          </a:ln>
-        </p:spPr>
-        <p:txBody>
-          <a:bodyPr wrap="square" rtlCol="0">
-            <a:spAutoFit/>
-          </a:bodyPr>
-          <a:lstStyle/>
-          <a:p>
-            <a:pPr algn="ctr"/>
-            <a:r>
-              <a:rPr lang="en-US" altLang="zh-CN" sz="2000" dirty="0"/>
-              <a:t>Config file(s)</a:t>
-            </a:r>
-            <a:endParaRPr lang="zh-CN" altLang="en-US" sz="2000" dirty="0"/>
-          </a:p>
-        </p:txBody>
-      </p:sp>
-      <p:cxnSp>
-        <p:nvCxnSpPr>
-          <p:cNvPr id="18" name="连接符: 肘形 17">
-            <a:extLst>
-              <a:ext uri="{FF2B5EF4-FFF2-40B4-BE49-F238E27FC236}">
-                <a16:creationId xmlns:a16="http://schemas.microsoft.com/office/drawing/2014/main" id="{5BFE58A0-D17F-6041-7ACD-D3CF0C29E85A}"/>
-              </a:ext>
-            </a:extLst>
-          </p:cNvPr>
-          <p:cNvCxnSpPr>
-            <a:cxnSpLocks/>
-            <a:stCxn id="16" idx="1"/>
-            <a:endCxn id="15" idx="2"/>
-          </p:cNvCxnSpPr>
-          <p:nvPr/>
-        </p:nvCxnSpPr>
-        <p:spPr>
-          <a:xfrm rot="10800000">
-            <a:off x="2130156" y="5148973"/>
-            <a:ext cx="3177036" cy="1023113"/>
-          </a:xfrm>
-          <a:prstGeom prst="bentConnector2">
-            <a:avLst/>
-          </a:prstGeom>
-          <a:ln w="12700">
-            <a:tailEnd type="triangle"/>
-          </a:ln>
-        </p:spPr>
-        <p:style>
-          <a:lnRef idx="1">
-            <a:schemeClr val="dk1"/>
-          </a:lnRef>
-          <a:fillRef idx="0">
-            <a:schemeClr val="dk1"/>
-          </a:fillRef>
-          <a:effectRef idx="0">
-            <a:schemeClr val="dk1"/>
-          </a:effectRef>
-          <a:fontRef idx="minor">
-            <a:schemeClr val="tx1"/>
-          </a:fontRef>
-        </p:style>
-      </p:cxnSp>
-      <p:sp>
-        <p:nvSpPr>
-          <p:cNvPr id="20" name="文本框 19">
-            <a:extLst>
-              <a:ext uri="{FF2B5EF4-FFF2-40B4-BE49-F238E27FC236}">
-                <a16:creationId xmlns:a16="http://schemas.microsoft.com/office/drawing/2014/main" id="{749E839F-1B0A-4531-FE14-43629D4EF7D7}"/>
-              </a:ext>
-            </a:extLst>
-          </p:cNvPr>
-          <p:cNvSpPr txBox="1"/>
-          <p:nvPr/>
-        </p:nvSpPr>
-        <p:spPr>
-          <a:xfrm>
-            <a:off x="9374838" y="2696622"/>
-            <a:ext cx="1728356" cy="400110"/>
-          </a:xfrm>
-          <a:prstGeom prst="rect">
-            <a:avLst/>
-          </a:prstGeom>
-          <a:noFill/>
-          <a:ln>
-            <a:solidFill>
-              <a:schemeClr val="tx1"/>
-            </a:solidFill>
-          </a:ln>
-        </p:spPr>
-        <p:txBody>
-          <a:bodyPr wrap="square" rtlCol="0">
-            <a:spAutoFit/>
-          </a:bodyPr>
-          <a:lstStyle/>
-          <a:p>
-            <a:pPr algn="ctr"/>
-            <a:r>
-              <a:rPr lang="en-US" altLang="zh-CN" sz="2000" dirty="0"/>
-              <a:t>Tasks</a:t>
-            </a:r>
-            <a:endParaRPr lang="zh-CN" altLang="en-US" sz="2000" dirty="0"/>
-          </a:p>
-        </p:txBody>
-      </p:sp>
-      <p:sp>
-        <p:nvSpPr>
-          <p:cNvPr id="24" name="文本框 23">
-            <a:extLst>
-              <a:ext uri="{FF2B5EF4-FFF2-40B4-BE49-F238E27FC236}">
-                <a16:creationId xmlns:a16="http://schemas.microsoft.com/office/drawing/2014/main" id="{315BD6B9-5F63-100C-6D71-18AAA78C9EB8}"/>
-              </a:ext>
-            </a:extLst>
-          </p:cNvPr>
-          <p:cNvSpPr txBox="1"/>
-          <p:nvPr/>
-        </p:nvSpPr>
-        <p:spPr>
-          <a:xfrm>
-            <a:off x="9374838" y="3220369"/>
-            <a:ext cx="1728356" cy="400110"/>
-          </a:xfrm>
-          <a:prstGeom prst="rect">
-            <a:avLst/>
-          </a:prstGeom>
-          <a:noFill/>
-          <a:ln>
-            <a:solidFill>
-              <a:schemeClr val="tx1"/>
-            </a:solidFill>
-          </a:ln>
-        </p:spPr>
-        <p:txBody>
-          <a:bodyPr wrap="square" rtlCol="0">
-            <a:spAutoFit/>
-          </a:bodyPr>
-          <a:lstStyle/>
-          <a:p>
-            <a:pPr algn="ctr"/>
-            <a:r>
-              <a:rPr lang="en-US" altLang="zh-CN" sz="2000" dirty="0"/>
-              <a:t>Models</a:t>
-            </a:r>
-            <a:endParaRPr lang="zh-CN" altLang="en-US" sz="2000" dirty="0"/>
-          </a:p>
-        </p:txBody>
-      </p:sp>
-      <p:sp>
-        <p:nvSpPr>
-          <p:cNvPr id="25" name="文本框 24">
-            <a:extLst>
-              <a:ext uri="{FF2B5EF4-FFF2-40B4-BE49-F238E27FC236}">
-                <a16:creationId xmlns:a16="http://schemas.microsoft.com/office/drawing/2014/main" id="{A60FFB24-DD28-0911-1046-5C8FD5387026}"/>
-              </a:ext>
-            </a:extLst>
-          </p:cNvPr>
-          <p:cNvSpPr txBox="1"/>
-          <p:nvPr/>
-        </p:nvSpPr>
-        <p:spPr>
-          <a:xfrm>
-            <a:off x="9374838" y="3744116"/>
-            <a:ext cx="1728356" cy="400110"/>
-          </a:xfrm>
-          <a:prstGeom prst="rect">
-            <a:avLst/>
-          </a:prstGeom>
-          <a:noFill/>
-          <a:ln>
-            <a:solidFill>
-              <a:schemeClr val="tx1"/>
-            </a:solidFill>
-          </a:ln>
-        </p:spPr>
-        <p:txBody>
-          <a:bodyPr wrap="square" rtlCol="0">
-            <a:spAutoFit/>
-          </a:bodyPr>
-          <a:lstStyle/>
-          <a:p>
-            <a:pPr algn="ctr"/>
-            <a:r>
-              <a:rPr lang="en-US" altLang="zh-CN" sz="2000" dirty="0"/>
-              <a:t>Metrics</a:t>
-            </a:r>
-            <a:endParaRPr lang="zh-CN" altLang="en-US" sz="2000" dirty="0"/>
-          </a:p>
-        </p:txBody>
-      </p:sp>
-      <p:sp>
-        <p:nvSpPr>
-          <p:cNvPr id="26" name="文本框 25">
-            <a:extLst>
-              <a:ext uri="{FF2B5EF4-FFF2-40B4-BE49-F238E27FC236}">
-                <a16:creationId xmlns:a16="http://schemas.microsoft.com/office/drawing/2014/main" id="{77458BC1-CCD1-FA13-1052-1E63287A3EE7}"/>
-              </a:ext>
-            </a:extLst>
-          </p:cNvPr>
-          <p:cNvSpPr txBox="1"/>
-          <p:nvPr/>
-        </p:nvSpPr>
-        <p:spPr>
-          <a:xfrm>
-            <a:off x="5209349" y="2696622"/>
-            <a:ext cx="1728356" cy="400110"/>
-          </a:xfrm>
-          <a:prstGeom prst="rect">
-            <a:avLst/>
-          </a:prstGeom>
-          <a:noFill/>
-          <a:ln>
-            <a:solidFill>
-              <a:schemeClr val="tx1"/>
-            </a:solidFill>
-          </a:ln>
-        </p:spPr>
-        <p:txBody>
-          <a:bodyPr wrap="square" rtlCol="0">
-            <a:spAutoFit/>
-          </a:bodyPr>
-          <a:lstStyle/>
-          <a:p>
-            <a:pPr algn="ctr"/>
-            <a:r>
-              <a:rPr lang="en-US" altLang="zh-CN" sz="2000" dirty="0"/>
-              <a:t>GLCM</a:t>
-            </a:r>
-            <a:endParaRPr lang="zh-CN" altLang="en-US" sz="2000" dirty="0"/>
-          </a:p>
-        </p:txBody>
-      </p:sp>
-      <p:sp>
-        <p:nvSpPr>
-          <p:cNvPr id="27" name="文本框 26">
-            <a:extLst>
-              <a:ext uri="{FF2B5EF4-FFF2-40B4-BE49-F238E27FC236}">
-                <a16:creationId xmlns:a16="http://schemas.microsoft.com/office/drawing/2014/main" id="{9D20F6DE-7F56-E608-3A82-2B6CFB354595}"/>
-              </a:ext>
-            </a:extLst>
-          </p:cNvPr>
-          <p:cNvSpPr txBox="1"/>
-          <p:nvPr/>
-        </p:nvSpPr>
-        <p:spPr>
-          <a:xfrm>
-            <a:off x="5209349" y="3220369"/>
-            <a:ext cx="1728356" cy="400110"/>
-          </a:xfrm>
-          <a:prstGeom prst="rect">
-            <a:avLst/>
-          </a:prstGeom>
-          <a:noFill/>
-          <a:ln>
-            <a:solidFill>
-              <a:schemeClr val="tx1"/>
-            </a:solidFill>
-          </a:ln>
-        </p:spPr>
-        <p:txBody>
-          <a:bodyPr wrap="square" rtlCol="0">
-            <a:spAutoFit/>
-          </a:bodyPr>
-          <a:lstStyle/>
-          <a:p>
-            <a:pPr algn="ctr"/>
-            <a:r>
-              <a:rPr lang="en-US" altLang="zh-CN" sz="2000" dirty="0"/>
-              <a:t>PCA</a:t>
-            </a:r>
-            <a:endParaRPr lang="zh-CN" altLang="en-US" sz="2000" dirty="0"/>
-          </a:p>
-        </p:txBody>
-      </p:sp>
-      <p:sp>
-        <p:nvSpPr>
-          <p:cNvPr id="28" name="文本框 27">
-            <a:extLst>
-              <a:ext uri="{FF2B5EF4-FFF2-40B4-BE49-F238E27FC236}">
-                <a16:creationId xmlns:a16="http://schemas.microsoft.com/office/drawing/2014/main" id="{EEE68909-6C91-1EBF-19F5-0E986E2A5A5D}"/>
-              </a:ext>
-            </a:extLst>
-          </p:cNvPr>
-          <p:cNvSpPr txBox="1"/>
-          <p:nvPr/>
-        </p:nvSpPr>
-        <p:spPr>
-          <a:xfrm>
-            <a:off x="5209349" y="3744116"/>
-            <a:ext cx="1728356" cy="400110"/>
-          </a:xfrm>
-          <a:prstGeom prst="rect">
-            <a:avLst/>
-          </a:prstGeom>
-          <a:noFill/>
-          <a:ln>
-            <a:solidFill>
-              <a:schemeClr val="tx1"/>
-            </a:solidFill>
-          </a:ln>
-        </p:spPr>
-        <p:txBody>
-          <a:bodyPr wrap="square" rtlCol="0">
-            <a:spAutoFit/>
-          </a:bodyPr>
-          <a:lstStyle/>
-          <a:p>
-            <a:pPr algn="ctr"/>
-            <a:r>
-              <a:rPr lang="en-US" altLang="zh-CN" sz="2000" dirty="0"/>
-              <a:t>…</a:t>
-            </a:r>
-            <a:endParaRPr lang="zh-CN" altLang="en-US" sz="2000" dirty="0"/>
-          </a:p>
-        </p:txBody>
-      </p:sp>
-      <p:sp>
-        <p:nvSpPr>
-          <p:cNvPr id="30" name="文本框 29">
-            <a:extLst>
-              <a:ext uri="{FF2B5EF4-FFF2-40B4-BE49-F238E27FC236}">
-                <a16:creationId xmlns:a16="http://schemas.microsoft.com/office/drawing/2014/main" id="{53E4E392-B6EC-9A6B-F872-A851B4DC8125}"/>
-              </a:ext>
-            </a:extLst>
-          </p:cNvPr>
-          <p:cNvSpPr txBox="1"/>
-          <p:nvPr/>
-        </p:nvSpPr>
-        <p:spPr>
-          <a:xfrm>
-            <a:off x="9118593" y="4748862"/>
-            <a:ext cx="2240845" cy="400110"/>
-          </a:xfrm>
-          <a:prstGeom prst="rect">
-            <a:avLst/>
-          </a:prstGeom>
-          <a:noFill/>
-        </p:spPr>
-        <p:txBody>
-          <a:bodyPr wrap="square" rtlCol="0">
-            <a:spAutoFit/>
-          </a:bodyPr>
-          <a:lstStyle/>
-          <a:p>
-            <a:r>
-              <a:rPr lang="en-US" altLang="zh-CN" sz="2000" dirty="0"/>
-              <a:t>Hyper-parameters</a:t>
-            </a:r>
-            <a:endParaRPr lang="zh-CN" altLang="en-US" sz="2000" dirty="0"/>
-          </a:p>
-        </p:txBody>
-      </p:sp>
-      <p:sp>
-        <p:nvSpPr>
-          <p:cNvPr id="32" name="文本框 31">
-            <a:extLst>
-              <a:ext uri="{FF2B5EF4-FFF2-40B4-BE49-F238E27FC236}">
-                <a16:creationId xmlns:a16="http://schemas.microsoft.com/office/drawing/2014/main" id="{E84999DA-1ADB-BDAD-D522-F40A81C1690D}"/>
-              </a:ext>
-            </a:extLst>
-          </p:cNvPr>
-          <p:cNvSpPr txBox="1"/>
-          <p:nvPr/>
-        </p:nvSpPr>
-        <p:spPr>
-          <a:xfrm>
-            <a:off x="5086016" y="4748862"/>
-            <a:ext cx="2162072" cy="400110"/>
-          </a:xfrm>
-          <a:prstGeom prst="rect">
-            <a:avLst/>
-          </a:prstGeom>
-          <a:noFill/>
-        </p:spPr>
-        <p:txBody>
-          <a:bodyPr wrap="square" rtlCol="0">
-            <a:spAutoFit/>
-          </a:bodyPr>
-          <a:lstStyle/>
-          <a:p>
-            <a:r>
-              <a:rPr lang="en-US" altLang="zh-CN" sz="2000" dirty="0"/>
-              <a:t>Parameters tweak</a:t>
-            </a:r>
-            <a:endParaRPr lang="zh-CN" altLang="en-US" sz="2000" dirty="0"/>
-          </a:p>
-        </p:txBody>
-      </p:sp>
-      <p:cxnSp>
-        <p:nvCxnSpPr>
-          <p:cNvPr id="33" name="连接符: 肘形 32">
-            <a:extLst>
-              <a:ext uri="{FF2B5EF4-FFF2-40B4-BE49-F238E27FC236}">
-                <a16:creationId xmlns:a16="http://schemas.microsoft.com/office/drawing/2014/main" id="{362388E8-6447-DB24-66DB-0A53BF391088}"/>
-              </a:ext>
-            </a:extLst>
-          </p:cNvPr>
-          <p:cNvCxnSpPr>
-            <a:cxnSpLocks/>
-            <a:stCxn id="16" idx="3"/>
-            <a:endCxn id="30" idx="2"/>
-          </p:cNvCxnSpPr>
-          <p:nvPr/>
-        </p:nvCxnSpPr>
-        <p:spPr>
-          <a:xfrm flipV="1">
-            <a:off x="7035548" y="5148972"/>
-            <a:ext cx="3203468" cy="1023113"/>
-          </a:xfrm>
-          <a:prstGeom prst="bentConnector2">
-            <a:avLst/>
-          </a:prstGeom>
-          <a:ln w="12700">
-            <a:tailEnd type="triangle"/>
-          </a:ln>
-        </p:spPr>
-        <p:style>
-          <a:lnRef idx="1">
-            <a:schemeClr val="dk1"/>
-          </a:lnRef>
-          <a:fillRef idx="0">
-            <a:schemeClr val="dk1"/>
-          </a:fillRef>
-          <a:effectRef idx="0">
-            <a:schemeClr val="dk1"/>
-          </a:effectRef>
-          <a:fontRef idx="minor">
-            <a:schemeClr val="tx1"/>
-          </a:fontRef>
-        </p:style>
-      </p:cxnSp>
-      <p:cxnSp>
-        <p:nvCxnSpPr>
-          <p:cNvPr id="37" name="直接箭头连接符 36">
-            <a:extLst>
-              <a:ext uri="{FF2B5EF4-FFF2-40B4-BE49-F238E27FC236}">
-                <a16:creationId xmlns:a16="http://schemas.microsoft.com/office/drawing/2014/main" id="{D7FABFC8-7AEE-CB9E-C2C0-47974DA9B309}"/>
-              </a:ext>
-            </a:extLst>
-          </p:cNvPr>
-          <p:cNvCxnSpPr>
-            <a:stCxn id="16" idx="0"/>
-            <a:endCxn id="32" idx="2"/>
-          </p:cNvCxnSpPr>
-          <p:nvPr/>
-        </p:nvCxnSpPr>
-        <p:spPr>
-          <a:xfrm flipH="1" flipV="1">
-            <a:off x="6167052" y="5148972"/>
-            <a:ext cx="4318" cy="823058"/>
-          </a:xfrm>
-          <a:prstGeom prst="straightConnector1">
-            <a:avLst/>
-          </a:prstGeom>
-          <a:ln w="12700">
-            <a:tailEnd type="triangle"/>
-          </a:ln>
-        </p:spPr>
-        <p:style>
-          <a:lnRef idx="1">
-            <a:schemeClr val="dk1"/>
-          </a:lnRef>
-          <a:fillRef idx="0">
-            <a:schemeClr val="dk1"/>
-          </a:fillRef>
-          <a:effectRef idx="0">
-            <a:schemeClr val="dk1"/>
-          </a:effectRef>
-          <a:fontRef idx="minor">
-            <a:schemeClr val="tx1"/>
-          </a:fontRef>
-        </p:style>
-      </p:cxnSp>
-      <p:sp>
-        <p:nvSpPr>
-          <p:cNvPr id="45" name="箭头: 右 44">
-            <a:extLst>
-              <a:ext uri="{FF2B5EF4-FFF2-40B4-BE49-F238E27FC236}">
-                <a16:creationId xmlns:a16="http://schemas.microsoft.com/office/drawing/2014/main" id="{54BC24D9-B269-400E-A992-B5D029B5C6A6}"/>
-              </a:ext>
-            </a:extLst>
-          </p:cNvPr>
-          <p:cNvSpPr/>
-          <p:nvPr/>
-        </p:nvSpPr>
-        <p:spPr>
-          <a:xfrm>
-            <a:off x="3561886" y="2916135"/>
-            <a:ext cx="1168973" cy="976745"/>
-          </a:xfrm>
-          <a:prstGeom prst="rightArrow">
-            <a:avLst/>
-          </a:prstGeom>
-          <a:solidFill>
-            <a:schemeClr val="bg1">
-              <a:lumMod val="85000"/>
-            </a:schemeClr>
-          </a:solidFill>
-          <a:ln>
-            <a:noFill/>
-          </a:ln>
-        </p:spPr>
-        <p:style>
-          <a:lnRef idx="2">
-            <a:schemeClr val="accent1">
-              <a:shade val="50000"/>
-            </a:schemeClr>
-          </a:lnRef>
-          <a:fillRef idx="1">
-            <a:schemeClr val="accent1"/>
-          </a:fillRef>
-          <a:effectRef idx="0">
-            <a:schemeClr val="accent1"/>
-          </a:effectRef>
-          <a:fontRef idx="minor">
-            <a:schemeClr val="lt1"/>
-          </a:fontRef>
-        </p:style>
-        <p:txBody>
-          <a:bodyPr rtlCol="0" anchor="ctr"/>
-          <a:lstStyle/>
-          <a:p>
-            <a:pPr algn="ctr"/>
-            <a:endParaRPr lang="zh-CN" altLang="en-US"/>
-          </a:p>
-        </p:txBody>
-      </p:sp>
-      <p:sp>
-        <p:nvSpPr>
-          <p:cNvPr id="46" name="箭头: 右 45">
-            <a:extLst>
-              <a:ext uri="{FF2B5EF4-FFF2-40B4-BE49-F238E27FC236}">
-                <a16:creationId xmlns:a16="http://schemas.microsoft.com/office/drawing/2014/main" id="{428FE5E9-CEB5-AA68-A4E6-DFA4380CFAF9}"/>
-              </a:ext>
-            </a:extLst>
-          </p:cNvPr>
-          <p:cNvSpPr/>
-          <p:nvPr/>
-        </p:nvSpPr>
-        <p:spPr>
-          <a:xfrm>
-            <a:off x="7590098" y="2940627"/>
-            <a:ext cx="1168973" cy="976745"/>
-          </a:xfrm>
-          <a:prstGeom prst="rightArrow">
-            <a:avLst/>
-          </a:prstGeom>
-          <a:solidFill>
-            <a:schemeClr val="bg1">
-              <a:lumMod val="85000"/>
-            </a:schemeClr>
-          </a:solidFill>
-          <a:ln>
-            <a:noFill/>
-          </a:ln>
-        </p:spPr>
-        <p:style>
-          <a:lnRef idx="2">
-            <a:schemeClr val="accent1">
-              <a:shade val="50000"/>
-            </a:schemeClr>
-          </a:lnRef>
-          <a:fillRef idx="1">
-            <a:schemeClr val="accent1"/>
-          </a:fillRef>
-          <a:effectRef idx="0">
-            <a:schemeClr val="accent1"/>
-          </a:effectRef>
-          <a:fontRef idx="minor">
-            <a:schemeClr val="lt1"/>
-          </a:fontRef>
-        </p:style>
-        <p:txBody>
-          <a:bodyPr rtlCol="0" anchor="ctr"/>
-          <a:lstStyle/>
-          <a:p>
-            <a:pPr algn="ctr"/>
-            <a:endParaRPr lang="zh-CN" altLang="en-US"/>
-          </a:p>
-        </p:txBody>
-      </p:sp>
+        </p:spPr>
+      </p:pic>
     </p:spTree>
     <p:extLst>
       <p:ext uri="{BB962C8B-B14F-4D97-AF65-F5344CB8AC3E}">
-        <p14:creationId xmlns:p14="http://schemas.microsoft.com/office/powerpoint/2010/main" val="1853231028"/>
+        <p14:creationId xmlns:p14="http://schemas.microsoft.com/office/powerpoint/2010/main" val="3418106522"/>
       </p:ext>
     </p:extLst>
   </p:cSld>
@@ -4924,6 +4075,1024 @@
           <a:p>
             <a:r>
               <a:rPr lang="en-US" altLang="zh-CN" sz="3600" b="1" dirty="0"/>
+              <a:t>Pipeline: Python</a:t>
+            </a:r>
+            <a:endParaRPr lang="zh-CN" altLang="en-US" sz="3600" b="1" dirty="0"/>
+          </a:p>
+        </p:txBody>
+      </p:sp>
+      <p:sp>
+        <p:nvSpPr>
+          <p:cNvPr id="2" name="文本框 1">
+            <a:extLst>
+              <a:ext uri="{FF2B5EF4-FFF2-40B4-BE49-F238E27FC236}">
+                <a16:creationId xmlns:a16="http://schemas.microsoft.com/office/drawing/2014/main" id="{22CC46BE-4919-66D0-0BC4-693ADC5CAD07}"/>
+              </a:ext>
+            </a:extLst>
+          </p:cNvPr>
+          <p:cNvSpPr txBox="1"/>
+          <p:nvPr/>
+        </p:nvSpPr>
+        <p:spPr>
+          <a:xfrm>
+            <a:off x="1161115" y="2696622"/>
+            <a:ext cx="1728356" cy="707886"/>
+          </a:xfrm>
+          <a:prstGeom prst="rect">
+            <a:avLst/>
+          </a:prstGeom>
+          <a:noFill/>
+          <a:ln>
+            <a:solidFill>
+              <a:schemeClr val="tx1"/>
+            </a:solidFill>
+          </a:ln>
+        </p:spPr>
+        <p:txBody>
+          <a:bodyPr wrap="square" rtlCol="0">
+            <a:spAutoFit/>
+          </a:bodyPr>
+          <a:lstStyle/>
+          <a:p>
+            <a:pPr algn="ctr"/>
+            <a:r>
+              <a:rPr lang="en-US" altLang="zh-CN" sz="2000" dirty="0"/>
+              <a:t>CAT12 pipeline</a:t>
+            </a:r>
+            <a:endParaRPr lang="zh-CN" altLang="en-US" sz="2000" dirty="0"/>
+          </a:p>
+        </p:txBody>
+      </p:sp>
+      <p:cxnSp>
+        <p:nvCxnSpPr>
+          <p:cNvPr id="6" name="直接连接符 5">
+            <a:extLst>
+              <a:ext uri="{FF2B5EF4-FFF2-40B4-BE49-F238E27FC236}">
+                <a16:creationId xmlns:a16="http://schemas.microsoft.com/office/drawing/2014/main" id="{F0784739-62D0-1EC2-57E7-FC468764652F}"/>
+              </a:ext>
+            </a:extLst>
+          </p:cNvPr>
+          <p:cNvCxnSpPr>
+            <a:cxnSpLocks/>
+          </p:cNvCxnSpPr>
+          <p:nvPr/>
+        </p:nvCxnSpPr>
+        <p:spPr>
+          <a:xfrm>
+            <a:off x="4082784" y="1143000"/>
+            <a:ext cx="0" cy="5309755"/>
+          </a:xfrm>
+          <a:prstGeom prst="line">
+            <a:avLst/>
+          </a:prstGeom>
+          <a:ln w="12700">
+            <a:prstDash val="dashDot"/>
+          </a:ln>
+        </p:spPr>
+        <p:style>
+          <a:lnRef idx="1">
+            <a:schemeClr val="dk1"/>
+          </a:lnRef>
+          <a:fillRef idx="0">
+            <a:schemeClr val="dk1"/>
+          </a:fillRef>
+          <a:effectRef idx="0">
+            <a:schemeClr val="dk1"/>
+          </a:effectRef>
+          <a:fontRef idx="minor">
+            <a:schemeClr val="tx1"/>
+          </a:fontRef>
+        </p:style>
+      </p:cxnSp>
+      <p:cxnSp>
+        <p:nvCxnSpPr>
+          <p:cNvPr id="9" name="直接连接符 8">
+            <a:extLst>
+              <a:ext uri="{FF2B5EF4-FFF2-40B4-BE49-F238E27FC236}">
+                <a16:creationId xmlns:a16="http://schemas.microsoft.com/office/drawing/2014/main" id="{4F1072D0-DAF2-7F91-1953-D36EDE65CDB9}"/>
+              </a:ext>
+            </a:extLst>
+          </p:cNvPr>
+          <p:cNvCxnSpPr>
+            <a:cxnSpLocks/>
+          </p:cNvCxnSpPr>
+          <p:nvPr/>
+        </p:nvCxnSpPr>
+        <p:spPr>
+          <a:xfrm>
+            <a:off x="8135273" y="1143000"/>
+            <a:ext cx="0" cy="5309755"/>
+          </a:xfrm>
+          <a:prstGeom prst="line">
+            <a:avLst/>
+          </a:prstGeom>
+          <a:ln w="12700">
+            <a:prstDash val="dashDot"/>
+          </a:ln>
+        </p:spPr>
+        <p:style>
+          <a:lnRef idx="1">
+            <a:schemeClr val="dk1"/>
+          </a:lnRef>
+          <a:fillRef idx="0">
+            <a:schemeClr val="dk1"/>
+          </a:fillRef>
+          <a:effectRef idx="0">
+            <a:schemeClr val="dk1"/>
+          </a:effectRef>
+          <a:fontRef idx="minor">
+            <a:schemeClr val="tx1"/>
+          </a:fontRef>
+        </p:style>
+      </p:cxnSp>
+      <p:sp>
+        <p:nvSpPr>
+          <p:cNvPr id="10" name="文本框 9">
+            <a:extLst>
+              <a:ext uri="{FF2B5EF4-FFF2-40B4-BE49-F238E27FC236}">
+                <a16:creationId xmlns:a16="http://schemas.microsoft.com/office/drawing/2014/main" id="{2A2137A0-8118-E08F-7FA4-3BA6AC9C6077}"/>
+              </a:ext>
+            </a:extLst>
+          </p:cNvPr>
+          <p:cNvSpPr txBox="1"/>
+          <p:nvPr/>
+        </p:nvSpPr>
+        <p:spPr>
+          <a:xfrm>
+            <a:off x="820923" y="1226127"/>
+            <a:ext cx="2301546" cy="461665"/>
+          </a:xfrm>
+          <a:prstGeom prst="rect">
+            <a:avLst/>
+          </a:prstGeom>
+          <a:noFill/>
+        </p:spPr>
+        <p:txBody>
+          <a:bodyPr wrap="square" rtlCol="0">
+            <a:spAutoFit/>
+          </a:bodyPr>
+          <a:lstStyle/>
+          <a:p>
+            <a:r>
+              <a:rPr lang="en-US" altLang="zh-CN" sz="2400" b="1" dirty="0"/>
+              <a:t>Preprocessing</a:t>
+            </a:r>
+            <a:endParaRPr lang="zh-CN" altLang="en-US" sz="2400" b="1" dirty="0"/>
+          </a:p>
+        </p:txBody>
+      </p:sp>
+      <p:sp>
+        <p:nvSpPr>
+          <p:cNvPr id="11" name="文本框 10">
+            <a:extLst>
+              <a:ext uri="{FF2B5EF4-FFF2-40B4-BE49-F238E27FC236}">
+                <a16:creationId xmlns:a16="http://schemas.microsoft.com/office/drawing/2014/main" id="{2EA6BE46-3CFD-BE6F-2EEC-14629A2D127D}"/>
+              </a:ext>
+            </a:extLst>
+          </p:cNvPr>
+          <p:cNvSpPr txBox="1"/>
+          <p:nvPr/>
+        </p:nvSpPr>
+        <p:spPr>
+          <a:xfrm>
+            <a:off x="4740883" y="1226127"/>
+            <a:ext cx="2710233" cy="461665"/>
+          </a:xfrm>
+          <a:prstGeom prst="rect">
+            <a:avLst/>
+          </a:prstGeom>
+          <a:noFill/>
+        </p:spPr>
+        <p:txBody>
+          <a:bodyPr wrap="square" rtlCol="0">
+            <a:spAutoFit/>
+          </a:bodyPr>
+          <a:lstStyle/>
+          <a:p>
+            <a:r>
+              <a:rPr lang="en-US" altLang="zh-CN" sz="2400" b="1" dirty="0"/>
+              <a:t>Feature extraction</a:t>
+            </a:r>
+            <a:endParaRPr lang="zh-CN" altLang="en-US" sz="2400" b="1" dirty="0"/>
+          </a:p>
+        </p:txBody>
+      </p:sp>
+      <p:sp>
+        <p:nvSpPr>
+          <p:cNvPr id="12" name="文本框 11">
+            <a:extLst>
+              <a:ext uri="{FF2B5EF4-FFF2-40B4-BE49-F238E27FC236}">
+                <a16:creationId xmlns:a16="http://schemas.microsoft.com/office/drawing/2014/main" id="{B3B96270-8B58-6ACC-9988-7925345A9A50}"/>
+              </a:ext>
+            </a:extLst>
+          </p:cNvPr>
+          <p:cNvSpPr txBox="1"/>
+          <p:nvPr/>
+        </p:nvSpPr>
+        <p:spPr>
+          <a:xfrm>
+            <a:off x="9328587" y="1226127"/>
+            <a:ext cx="1654604" cy="461665"/>
+          </a:xfrm>
+          <a:prstGeom prst="rect">
+            <a:avLst/>
+          </a:prstGeom>
+          <a:noFill/>
+        </p:spPr>
+        <p:txBody>
+          <a:bodyPr wrap="square" rtlCol="0">
+            <a:spAutoFit/>
+          </a:bodyPr>
+          <a:lstStyle/>
+          <a:p>
+            <a:r>
+              <a:rPr lang="en-US" altLang="zh-CN" sz="2400" b="1" dirty="0"/>
+              <a:t>Estimation</a:t>
+            </a:r>
+            <a:endParaRPr lang="zh-CN" altLang="en-US" sz="2400" b="1" dirty="0"/>
+          </a:p>
+        </p:txBody>
+      </p:sp>
+      <p:sp>
+        <p:nvSpPr>
+          <p:cNvPr id="13" name="文本框 12">
+            <a:extLst>
+              <a:ext uri="{FF2B5EF4-FFF2-40B4-BE49-F238E27FC236}">
+                <a16:creationId xmlns:a16="http://schemas.microsoft.com/office/drawing/2014/main" id="{ED37A53C-2677-6E58-A8B8-E6B4B36E69D4}"/>
+              </a:ext>
+            </a:extLst>
+          </p:cNvPr>
+          <p:cNvSpPr txBox="1"/>
+          <p:nvPr/>
+        </p:nvSpPr>
+        <p:spPr>
+          <a:xfrm>
+            <a:off x="452044" y="2026873"/>
+            <a:ext cx="3356224" cy="338554"/>
+          </a:xfrm>
+          <a:prstGeom prst="rect">
+            <a:avLst/>
+          </a:prstGeom>
+          <a:noFill/>
+        </p:spPr>
+        <p:txBody>
+          <a:bodyPr wrap="square" rtlCol="0">
+            <a:spAutoFit/>
+          </a:bodyPr>
+          <a:lstStyle/>
+          <a:p>
+            <a:r>
+              <a:rPr lang="en-US" altLang="zh-CN" sz="1600" b="1" dirty="0" err="1"/>
+              <a:t>Nipype</a:t>
+            </a:r>
+            <a:r>
+              <a:rPr lang="en-US" altLang="zh-CN" sz="1600" b="1" dirty="0"/>
+              <a:t>: SPM, FSL, ANTs, CAT12 …</a:t>
+            </a:r>
+            <a:endParaRPr lang="zh-CN" altLang="en-US" sz="1600" b="1" dirty="0"/>
+          </a:p>
+        </p:txBody>
+      </p:sp>
+      <p:sp>
+        <p:nvSpPr>
+          <p:cNvPr id="14" name="文本框 13">
+            <a:extLst>
+              <a:ext uri="{FF2B5EF4-FFF2-40B4-BE49-F238E27FC236}">
+                <a16:creationId xmlns:a16="http://schemas.microsoft.com/office/drawing/2014/main" id="{9FC0B774-4460-DDF3-9630-A4FAF92C87E6}"/>
+              </a:ext>
+            </a:extLst>
+          </p:cNvPr>
+          <p:cNvSpPr txBox="1"/>
+          <p:nvPr/>
+        </p:nvSpPr>
+        <p:spPr>
+          <a:xfrm>
+            <a:off x="1161115" y="3731057"/>
+            <a:ext cx="1728356" cy="707886"/>
+          </a:xfrm>
+          <a:prstGeom prst="rect">
+            <a:avLst/>
+          </a:prstGeom>
+          <a:noFill/>
+          <a:ln>
+            <a:solidFill>
+              <a:schemeClr val="tx1"/>
+            </a:solidFill>
+          </a:ln>
+        </p:spPr>
+        <p:txBody>
+          <a:bodyPr wrap="square" rtlCol="0">
+            <a:spAutoFit/>
+          </a:bodyPr>
+          <a:lstStyle/>
+          <a:p>
+            <a:pPr algn="ctr"/>
+            <a:r>
+              <a:rPr lang="en-US" altLang="zh-CN" sz="2000" dirty="0"/>
+              <a:t>Other pipelines</a:t>
+            </a:r>
+            <a:endParaRPr lang="zh-CN" altLang="en-US" sz="2000" dirty="0"/>
+          </a:p>
+        </p:txBody>
+      </p:sp>
+      <p:sp>
+        <p:nvSpPr>
+          <p:cNvPr id="15" name="文本框 14">
+            <a:extLst>
+              <a:ext uri="{FF2B5EF4-FFF2-40B4-BE49-F238E27FC236}">
+                <a16:creationId xmlns:a16="http://schemas.microsoft.com/office/drawing/2014/main" id="{1AE68989-54E4-97FC-4A35-291FADFAF13F}"/>
+              </a:ext>
+            </a:extLst>
+          </p:cNvPr>
+          <p:cNvSpPr txBox="1"/>
+          <p:nvPr/>
+        </p:nvSpPr>
+        <p:spPr>
+          <a:xfrm>
+            <a:off x="1049120" y="4748862"/>
+            <a:ext cx="2162072" cy="400110"/>
+          </a:xfrm>
+          <a:prstGeom prst="rect">
+            <a:avLst/>
+          </a:prstGeom>
+          <a:noFill/>
+        </p:spPr>
+        <p:txBody>
+          <a:bodyPr wrap="square" rtlCol="0">
+            <a:spAutoFit/>
+          </a:bodyPr>
+          <a:lstStyle/>
+          <a:p>
+            <a:r>
+              <a:rPr lang="en-US" altLang="zh-CN" sz="2000" dirty="0"/>
+              <a:t>Parameters tweak</a:t>
+            </a:r>
+            <a:endParaRPr lang="zh-CN" altLang="en-US" sz="2000" dirty="0"/>
+          </a:p>
+        </p:txBody>
+      </p:sp>
+      <p:sp>
+        <p:nvSpPr>
+          <p:cNvPr id="16" name="文本框 15">
+            <a:extLst>
+              <a:ext uri="{FF2B5EF4-FFF2-40B4-BE49-F238E27FC236}">
+                <a16:creationId xmlns:a16="http://schemas.microsoft.com/office/drawing/2014/main" id="{269A5884-CE3E-8385-0D9B-F9DF50236FBA}"/>
+              </a:ext>
+            </a:extLst>
+          </p:cNvPr>
+          <p:cNvSpPr txBox="1"/>
+          <p:nvPr/>
+        </p:nvSpPr>
+        <p:spPr>
+          <a:xfrm>
+            <a:off x="5307192" y="5972030"/>
+            <a:ext cx="1728356" cy="400110"/>
+          </a:xfrm>
+          <a:prstGeom prst="rect">
+            <a:avLst/>
+          </a:prstGeom>
+          <a:noFill/>
+          <a:ln>
+            <a:solidFill>
+              <a:schemeClr val="tx1"/>
+            </a:solidFill>
+          </a:ln>
+        </p:spPr>
+        <p:txBody>
+          <a:bodyPr wrap="square" rtlCol="0">
+            <a:spAutoFit/>
+          </a:bodyPr>
+          <a:lstStyle/>
+          <a:p>
+            <a:pPr algn="ctr"/>
+            <a:r>
+              <a:rPr lang="en-US" altLang="zh-CN" sz="2000" dirty="0"/>
+              <a:t>Config file(s)</a:t>
+            </a:r>
+            <a:endParaRPr lang="zh-CN" altLang="en-US" sz="2000" dirty="0"/>
+          </a:p>
+        </p:txBody>
+      </p:sp>
+      <p:cxnSp>
+        <p:nvCxnSpPr>
+          <p:cNvPr id="18" name="连接符: 肘形 17">
+            <a:extLst>
+              <a:ext uri="{FF2B5EF4-FFF2-40B4-BE49-F238E27FC236}">
+                <a16:creationId xmlns:a16="http://schemas.microsoft.com/office/drawing/2014/main" id="{5BFE58A0-D17F-6041-7ACD-D3CF0C29E85A}"/>
+              </a:ext>
+            </a:extLst>
+          </p:cNvPr>
+          <p:cNvCxnSpPr>
+            <a:cxnSpLocks/>
+            <a:stCxn id="16" idx="1"/>
+            <a:endCxn id="15" idx="2"/>
+          </p:cNvCxnSpPr>
+          <p:nvPr/>
+        </p:nvCxnSpPr>
+        <p:spPr>
+          <a:xfrm rot="10800000">
+            <a:off x="2130156" y="5148973"/>
+            <a:ext cx="3177036" cy="1023113"/>
+          </a:xfrm>
+          <a:prstGeom prst="bentConnector2">
+            <a:avLst/>
+          </a:prstGeom>
+          <a:ln w="12700">
+            <a:tailEnd type="triangle"/>
+          </a:ln>
+        </p:spPr>
+        <p:style>
+          <a:lnRef idx="1">
+            <a:schemeClr val="dk1"/>
+          </a:lnRef>
+          <a:fillRef idx="0">
+            <a:schemeClr val="dk1"/>
+          </a:fillRef>
+          <a:effectRef idx="0">
+            <a:schemeClr val="dk1"/>
+          </a:effectRef>
+          <a:fontRef idx="minor">
+            <a:schemeClr val="tx1"/>
+          </a:fontRef>
+        </p:style>
+      </p:cxnSp>
+      <p:sp>
+        <p:nvSpPr>
+          <p:cNvPr id="20" name="文本框 19">
+            <a:extLst>
+              <a:ext uri="{FF2B5EF4-FFF2-40B4-BE49-F238E27FC236}">
+                <a16:creationId xmlns:a16="http://schemas.microsoft.com/office/drawing/2014/main" id="{749E839F-1B0A-4531-FE14-43629D4EF7D7}"/>
+              </a:ext>
+            </a:extLst>
+          </p:cNvPr>
+          <p:cNvSpPr txBox="1"/>
+          <p:nvPr/>
+        </p:nvSpPr>
+        <p:spPr>
+          <a:xfrm>
+            <a:off x="9374838" y="2696622"/>
+            <a:ext cx="1728356" cy="400110"/>
+          </a:xfrm>
+          <a:prstGeom prst="rect">
+            <a:avLst/>
+          </a:prstGeom>
+          <a:noFill/>
+          <a:ln>
+            <a:solidFill>
+              <a:schemeClr val="tx1"/>
+            </a:solidFill>
+          </a:ln>
+        </p:spPr>
+        <p:txBody>
+          <a:bodyPr wrap="square" rtlCol="0">
+            <a:spAutoFit/>
+          </a:bodyPr>
+          <a:lstStyle/>
+          <a:p>
+            <a:pPr algn="ctr"/>
+            <a:r>
+              <a:rPr lang="en-US" altLang="zh-CN" sz="2000" dirty="0"/>
+              <a:t>Tasks</a:t>
+            </a:r>
+            <a:endParaRPr lang="zh-CN" altLang="en-US" sz="2000" dirty="0"/>
+          </a:p>
+        </p:txBody>
+      </p:sp>
+      <p:sp>
+        <p:nvSpPr>
+          <p:cNvPr id="24" name="文本框 23">
+            <a:extLst>
+              <a:ext uri="{FF2B5EF4-FFF2-40B4-BE49-F238E27FC236}">
+                <a16:creationId xmlns:a16="http://schemas.microsoft.com/office/drawing/2014/main" id="{315BD6B9-5F63-100C-6D71-18AAA78C9EB8}"/>
+              </a:ext>
+            </a:extLst>
+          </p:cNvPr>
+          <p:cNvSpPr txBox="1"/>
+          <p:nvPr/>
+        </p:nvSpPr>
+        <p:spPr>
+          <a:xfrm>
+            <a:off x="9374838" y="3220369"/>
+            <a:ext cx="1728356" cy="400110"/>
+          </a:xfrm>
+          <a:prstGeom prst="rect">
+            <a:avLst/>
+          </a:prstGeom>
+          <a:noFill/>
+          <a:ln>
+            <a:solidFill>
+              <a:schemeClr val="tx1"/>
+            </a:solidFill>
+          </a:ln>
+        </p:spPr>
+        <p:txBody>
+          <a:bodyPr wrap="square" rtlCol="0">
+            <a:spAutoFit/>
+          </a:bodyPr>
+          <a:lstStyle/>
+          <a:p>
+            <a:pPr algn="ctr"/>
+            <a:r>
+              <a:rPr lang="en-US" altLang="zh-CN" sz="2000" dirty="0"/>
+              <a:t>Models</a:t>
+            </a:r>
+            <a:endParaRPr lang="zh-CN" altLang="en-US" sz="2000" dirty="0"/>
+          </a:p>
+        </p:txBody>
+      </p:sp>
+      <p:sp>
+        <p:nvSpPr>
+          <p:cNvPr id="25" name="文本框 24">
+            <a:extLst>
+              <a:ext uri="{FF2B5EF4-FFF2-40B4-BE49-F238E27FC236}">
+                <a16:creationId xmlns:a16="http://schemas.microsoft.com/office/drawing/2014/main" id="{A60FFB24-DD28-0911-1046-5C8FD5387026}"/>
+              </a:ext>
+            </a:extLst>
+          </p:cNvPr>
+          <p:cNvSpPr txBox="1"/>
+          <p:nvPr/>
+        </p:nvSpPr>
+        <p:spPr>
+          <a:xfrm>
+            <a:off x="9374838" y="3744116"/>
+            <a:ext cx="1728356" cy="400110"/>
+          </a:xfrm>
+          <a:prstGeom prst="rect">
+            <a:avLst/>
+          </a:prstGeom>
+          <a:noFill/>
+          <a:ln>
+            <a:solidFill>
+              <a:schemeClr val="tx1"/>
+            </a:solidFill>
+          </a:ln>
+        </p:spPr>
+        <p:txBody>
+          <a:bodyPr wrap="square" rtlCol="0">
+            <a:spAutoFit/>
+          </a:bodyPr>
+          <a:lstStyle/>
+          <a:p>
+            <a:pPr algn="ctr"/>
+            <a:r>
+              <a:rPr lang="en-US" altLang="zh-CN" sz="2000" dirty="0"/>
+              <a:t>Metrics</a:t>
+            </a:r>
+            <a:endParaRPr lang="zh-CN" altLang="en-US" sz="2000" dirty="0"/>
+          </a:p>
+        </p:txBody>
+      </p:sp>
+      <p:sp>
+        <p:nvSpPr>
+          <p:cNvPr id="26" name="文本框 25">
+            <a:extLst>
+              <a:ext uri="{FF2B5EF4-FFF2-40B4-BE49-F238E27FC236}">
+                <a16:creationId xmlns:a16="http://schemas.microsoft.com/office/drawing/2014/main" id="{77458BC1-CCD1-FA13-1052-1E63287A3EE7}"/>
+              </a:ext>
+            </a:extLst>
+          </p:cNvPr>
+          <p:cNvSpPr txBox="1"/>
+          <p:nvPr/>
+        </p:nvSpPr>
+        <p:spPr>
+          <a:xfrm>
+            <a:off x="5209349" y="2696622"/>
+            <a:ext cx="1728356" cy="400110"/>
+          </a:xfrm>
+          <a:prstGeom prst="rect">
+            <a:avLst/>
+          </a:prstGeom>
+          <a:noFill/>
+          <a:ln>
+            <a:solidFill>
+              <a:schemeClr val="tx1"/>
+            </a:solidFill>
+          </a:ln>
+        </p:spPr>
+        <p:txBody>
+          <a:bodyPr wrap="square" rtlCol="0">
+            <a:spAutoFit/>
+          </a:bodyPr>
+          <a:lstStyle/>
+          <a:p>
+            <a:pPr algn="ctr"/>
+            <a:r>
+              <a:rPr lang="en-US" altLang="zh-CN" sz="2000" dirty="0"/>
+              <a:t>GLCM</a:t>
+            </a:r>
+            <a:endParaRPr lang="zh-CN" altLang="en-US" sz="2000" dirty="0"/>
+          </a:p>
+        </p:txBody>
+      </p:sp>
+      <p:sp>
+        <p:nvSpPr>
+          <p:cNvPr id="27" name="文本框 26">
+            <a:extLst>
+              <a:ext uri="{FF2B5EF4-FFF2-40B4-BE49-F238E27FC236}">
+                <a16:creationId xmlns:a16="http://schemas.microsoft.com/office/drawing/2014/main" id="{9D20F6DE-7F56-E608-3A82-2B6CFB354595}"/>
+              </a:ext>
+            </a:extLst>
+          </p:cNvPr>
+          <p:cNvSpPr txBox="1"/>
+          <p:nvPr/>
+        </p:nvSpPr>
+        <p:spPr>
+          <a:xfrm>
+            <a:off x="5209349" y="3220369"/>
+            <a:ext cx="1728356" cy="400110"/>
+          </a:xfrm>
+          <a:prstGeom prst="rect">
+            <a:avLst/>
+          </a:prstGeom>
+          <a:noFill/>
+          <a:ln>
+            <a:solidFill>
+              <a:schemeClr val="tx1"/>
+            </a:solidFill>
+          </a:ln>
+        </p:spPr>
+        <p:txBody>
+          <a:bodyPr wrap="square" rtlCol="0">
+            <a:spAutoFit/>
+          </a:bodyPr>
+          <a:lstStyle/>
+          <a:p>
+            <a:pPr algn="ctr"/>
+            <a:r>
+              <a:rPr lang="en-US" altLang="zh-CN" sz="2000" dirty="0"/>
+              <a:t>PCA</a:t>
+            </a:r>
+            <a:endParaRPr lang="zh-CN" altLang="en-US" sz="2000" dirty="0"/>
+          </a:p>
+        </p:txBody>
+      </p:sp>
+      <p:sp>
+        <p:nvSpPr>
+          <p:cNvPr id="28" name="文本框 27">
+            <a:extLst>
+              <a:ext uri="{FF2B5EF4-FFF2-40B4-BE49-F238E27FC236}">
+                <a16:creationId xmlns:a16="http://schemas.microsoft.com/office/drawing/2014/main" id="{EEE68909-6C91-1EBF-19F5-0E986E2A5A5D}"/>
+              </a:ext>
+            </a:extLst>
+          </p:cNvPr>
+          <p:cNvSpPr txBox="1"/>
+          <p:nvPr/>
+        </p:nvSpPr>
+        <p:spPr>
+          <a:xfrm>
+            <a:off x="5209349" y="3744116"/>
+            <a:ext cx="1728356" cy="400110"/>
+          </a:xfrm>
+          <a:prstGeom prst="rect">
+            <a:avLst/>
+          </a:prstGeom>
+          <a:noFill/>
+          <a:ln>
+            <a:solidFill>
+              <a:schemeClr val="tx1"/>
+            </a:solidFill>
+          </a:ln>
+        </p:spPr>
+        <p:txBody>
+          <a:bodyPr wrap="square" rtlCol="0">
+            <a:spAutoFit/>
+          </a:bodyPr>
+          <a:lstStyle/>
+          <a:p>
+            <a:pPr algn="ctr"/>
+            <a:r>
+              <a:rPr lang="en-US" altLang="zh-CN" sz="2000" dirty="0"/>
+              <a:t>…</a:t>
+            </a:r>
+            <a:endParaRPr lang="zh-CN" altLang="en-US" sz="2000" dirty="0"/>
+          </a:p>
+        </p:txBody>
+      </p:sp>
+      <p:sp>
+        <p:nvSpPr>
+          <p:cNvPr id="30" name="文本框 29">
+            <a:extLst>
+              <a:ext uri="{FF2B5EF4-FFF2-40B4-BE49-F238E27FC236}">
+                <a16:creationId xmlns:a16="http://schemas.microsoft.com/office/drawing/2014/main" id="{53E4E392-B6EC-9A6B-F872-A851B4DC8125}"/>
+              </a:ext>
+            </a:extLst>
+          </p:cNvPr>
+          <p:cNvSpPr txBox="1"/>
+          <p:nvPr/>
+        </p:nvSpPr>
+        <p:spPr>
+          <a:xfrm>
+            <a:off x="9118593" y="4748862"/>
+            <a:ext cx="2240845" cy="400110"/>
+          </a:xfrm>
+          <a:prstGeom prst="rect">
+            <a:avLst/>
+          </a:prstGeom>
+          <a:noFill/>
+        </p:spPr>
+        <p:txBody>
+          <a:bodyPr wrap="square" rtlCol="0">
+            <a:spAutoFit/>
+          </a:bodyPr>
+          <a:lstStyle/>
+          <a:p>
+            <a:r>
+              <a:rPr lang="en-US" altLang="zh-CN" sz="2000" dirty="0"/>
+              <a:t>Hyper-parameters</a:t>
+            </a:r>
+            <a:endParaRPr lang="zh-CN" altLang="en-US" sz="2000" dirty="0"/>
+          </a:p>
+        </p:txBody>
+      </p:sp>
+      <p:sp>
+        <p:nvSpPr>
+          <p:cNvPr id="32" name="文本框 31">
+            <a:extLst>
+              <a:ext uri="{FF2B5EF4-FFF2-40B4-BE49-F238E27FC236}">
+                <a16:creationId xmlns:a16="http://schemas.microsoft.com/office/drawing/2014/main" id="{E84999DA-1ADB-BDAD-D522-F40A81C1690D}"/>
+              </a:ext>
+            </a:extLst>
+          </p:cNvPr>
+          <p:cNvSpPr txBox="1"/>
+          <p:nvPr/>
+        </p:nvSpPr>
+        <p:spPr>
+          <a:xfrm>
+            <a:off x="5086016" y="4748862"/>
+            <a:ext cx="2162072" cy="400110"/>
+          </a:xfrm>
+          <a:prstGeom prst="rect">
+            <a:avLst/>
+          </a:prstGeom>
+          <a:noFill/>
+        </p:spPr>
+        <p:txBody>
+          <a:bodyPr wrap="square" rtlCol="0">
+            <a:spAutoFit/>
+          </a:bodyPr>
+          <a:lstStyle/>
+          <a:p>
+            <a:r>
+              <a:rPr lang="en-US" altLang="zh-CN" sz="2000" dirty="0"/>
+              <a:t>Parameters tweak</a:t>
+            </a:r>
+            <a:endParaRPr lang="zh-CN" altLang="en-US" sz="2000" dirty="0"/>
+          </a:p>
+        </p:txBody>
+      </p:sp>
+      <p:cxnSp>
+        <p:nvCxnSpPr>
+          <p:cNvPr id="33" name="连接符: 肘形 32">
+            <a:extLst>
+              <a:ext uri="{FF2B5EF4-FFF2-40B4-BE49-F238E27FC236}">
+                <a16:creationId xmlns:a16="http://schemas.microsoft.com/office/drawing/2014/main" id="{362388E8-6447-DB24-66DB-0A53BF391088}"/>
+              </a:ext>
+            </a:extLst>
+          </p:cNvPr>
+          <p:cNvCxnSpPr>
+            <a:cxnSpLocks/>
+            <a:stCxn id="16" idx="3"/>
+            <a:endCxn id="30" idx="2"/>
+          </p:cNvCxnSpPr>
+          <p:nvPr/>
+        </p:nvCxnSpPr>
+        <p:spPr>
+          <a:xfrm flipV="1">
+            <a:off x="7035548" y="5148972"/>
+            <a:ext cx="3203468" cy="1023113"/>
+          </a:xfrm>
+          <a:prstGeom prst="bentConnector2">
+            <a:avLst/>
+          </a:prstGeom>
+          <a:ln w="12700">
+            <a:tailEnd type="triangle"/>
+          </a:ln>
+        </p:spPr>
+        <p:style>
+          <a:lnRef idx="1">
+            <a:schemeClr val="dk1"/>
+          </a:lnRef>
+          <a:fillRef idx="0">
+            <a:schemeClr val="dk1"/>
+          </a:fillRef>
+          <a:effectRef idx="0">
+            <a:schemeClr val="dk1"/>
+          </a:effectRef>
+          <a:fontRef idx="minor">
+            <a:schemeClr val="tx1"/>
+          </a:fontRef>
+        </p:style>
+      </p:cxnSp>
+      <p:cxnSp>
+        <p:nvCxnSpPr>
+          <p:cNvPr id="37" name="直接箭头连接符 36">
+            <a:extLst>
+              <a:ext uri="{FF2B5EF4-FFF2-40B4-BE49-F238E27FC236}">
+                <a16:creationId xmlns:a16="http://schemas.microsoft.com/office/drawing/2014/main" id="{D7FABFC8-7AEE-CB9E-C2C0-47974DA9B309}"/>
+              </a:ext>
+            </a:extLst>
+          </p:cNvPr>
+          <p:cNvCxnSpPr>
+            <a:stCxn id="16" idx="0"/>
+            <a:endCxn id="32" idx="2"/>
+          </p:cNvCxnSpPr>
+          <p:nvPr/>
+        </p:nvCxnSpPr>
+        <p:spPr>
+          <a:xfrm flipH="1" flipV="1">
+            <a:off x="6167052" y="5148972"/>
+            <a:ext cx="4318" cy="823058"/>
+          </a:xfrm>
+          <a:prstGeom prst="straightConnector1">
+            <a:avLst/>
+          </a:prstGeom>
+          <a:ln w="12700">
+            <a:tailEnd type="triangle"/>
+          </a:ln>
+        </p:spPr>
+        <p:style>
+          <a:lnRef idx="1">
+            <a:schemeClr val="dk1"/>
+          </a:lnRef>
+          <a:fillRef idx="0">
+            <a:schemeClr val="dk1"/>
+          </a:fillRef>
+          <a:effectRef idx="0">
+            <a:schemeClr val="dk1"/>
+          </a:effectRef>
+          <a:fontRef idx="minor">
+            <a:schemeClr val="tx1"/>
+          </a:fontRef>
+        </p:style>
+      </p:cxnSp>
+      <p:sp>
+        <p:nvSpPr>
+          <p:cNvPr id="45" name="箭头: 右 44">
+            <a:extLst>
+              <a:ext uri="{FF2B5EF4-FFF2-40B4-BE49-F238E27FC236}">
+                <a16:creationId xmlns:a16="http://schemas.microsoft.com/office/drawing/2014/main" id="{54BC24D9-B269-400E-A992-B5D029B5C6A6}"/>
+              </a:ext>
+            </a:extLst>
+          </p:cNvPr>
+          <p:cNvSpPr/>
+          <p:nvPr/>
+        </p:nvSpPr>
+        <p:spPr>
+          <a:xfrm>
+            <a:off x="3561886" y="2916135"/>
+            <a:ext cx="1168973" cy="976745"/>
+          </a:xfrm>
+          <a:prstGeom prst="rightArrow">
+            <a:avLst/>
+          </a:prstGeom>
+          <a:solidFill>
+            <a:schemeClr val="bg1">
+              <a:lumMod val="85000"/>
+            </a:schemeClr>
+          </a:solidFill>
+          <a:ln>
+            <a:noFill/>
+          </a:ln>
+        </p:spPr>
+        <p:style>
+          <a:lnRef idx="2">
+            <a:schemeClr val="accent1">
+              <a:shade val="50000"/>
+            </a:schemeClr>
+          </a:lnRef>
+          <a:fillRef idx="1">
+            <a:schemeClr val="accent1"/>
+          </a:fillRef>
+          <a:effectRef idx="0">
+            <a:schemeClr val="accent1"/>
+          </a:effectRef>
+          <a:fontRef idx="minor">
+            <a:schemeClr val="lt1"/>
+          </a:fontRef>
+        </p:style>
+        <p:txBody>
+          <a:bodyPr rtlCol="0" anchor="ctr"/>
+          <a:lstStyle/>
+          <a:p>
+            <a:pPr algn="ctr"/>
+            <a:endParaRPr lang="zh-CN" altLang="en-US"/>
+          </a:p>
+        </p:txBody>
+      </p:sp>
+      <p:sp>
+        <p:nvSpPr>
+          <p:cNvPr id="46" name="箭头: 右 45">
+            <a:extLst>
+              <a:ext uri="{FF2B5EF4-FFF2-40B4-BE49-F238E27FC236}">
+                <a16:creationId xmlns:a16="http://schemas.microsoft.com/office/drawing/2014/main" id="{428FE5E9-CEB5-AA68-A4E6-DFA4380CFAF9}"/>
+              </a:ext>
+            </a:extLst>
+          </p:cNvPr>
+          <p:cNvSpPr/>
+          <p:nvPr/>
+        </p:nvSpPr>
+        <p:spPr>
+          <a:xfrm>
+            <a:off x="7590098" y="2940627"/>
+            <a:ext cx="1168973" cy="976745"/>
+          </a:xfrm>
+          <a:prstGeom prst="rightArrow">
+            <a:avLst/>
+          </a:prstGeom>
+          <a:solidFill>
+            <a:schemeClr val="bg1">
+              <a:lumMod val="85000"/>
+            </a:schemeClr>
+          </a:solidFill>
+          <a:ln>
+            <a:noFill/>
+          </a:ln>
+        </p:spPr>
+        <p:style>
+          <a:lnRef idx="2">
+            <a:schemeClr val="accent1">
+              <a:shade val="50000"/>
+            </a:schemeClr>
+          </a:lnRef>
+          <a:fillRef idx="1">
+            <a:schemeClr val="accent1"/>
+          </a:fillRef>
+          <a:effectRef idx="0">
+            <a:schemeClr val="accent1"/>
+          </a:effectRef>
+          <a:fontRef idx="minor">
+            <a:schemeClr val="lt1"/>
+          </a:fontRef>
+        </p:style>
+        <p:txBody>
+          <a:bodyPr rtlCol="0" anchor="ctr"/>
+          <a:lstStyle/>
+          <a:p>
+            <a:pPr algn="ctr"/>
+            <a:endParaRPr lang="zh-CN" altLang="en-US"/>
+          </a:p>
+        </p:txBody>
+      </p:sp>
+    </p:spTree>
+    <p:extLst>
+      <p:ext uri="{BB962C8B-B14F-4D97-AF65-F5344CB8AC3E}">
+        <p14:creationId xmlns:p14="http://schemas.microsoft.com/office/powerpoint/2010/main" val="1853231028"/>
+      </p:ext>
+    </p:extLst>
+  </p:cSld>
+  <p:clrMapOvr>
+    <a:masterClrMapping/>
+  </p:clrMapOvr>
+</p:sld>
+</file>
+
+<file path=ppt/slides/slide5.xml><?xml version="1.0" encoding="utf-8"?>
+<p:sld xmlns:a="http://schemas.openxmlformats.org/drawingml/2006/main" xmlns:r="http://schemas.openxmlformats.org/officeDocument/2006/relationships" xmlns:p="http://schemas.openxmlformats.org/presentationml/2006/main">
+  <p:cSld>
+    <p:spTree>
+      <p:nvGrpSpPr>
+        <p:cNvPr id="1" name=""/>
+        <p:cNvGrpSpPr/>
+        <p:nvPr/>
+      </p:nvGrpSpPr>
+      <p:grpSpPr>
+        <a:xfrm>
+          <a:off x="0" y="0"/>
+          <a:ext cx="0" cy="0"/>
+          <a:chOff x="0" y="0"/>
+          <a:chExt cx="0" cy="0"/>
+        </a:xfrm>
+      </p:grpSpPr>
+      <p:sp>
+        <p:nvSpPr>
+          <p:cNvPr id="4" name="文本框 3">
+            <a:extLst>
+              <a:ext uri="{FF2B5EF4-FFF2-40B4-BE49-F238E27FC236}">
+                <a16:creationId xmlns:a16="http://schemas.microsoft.com/office/drawing/2014/main" id="{6BBFFA9B-0A7F-CB61-05E5-437AA3BD58BF}"/>
+              </a:ext>
+            </a:extLst>
+          </p:cNvPr>
+          <p:cNvSpPr txBox="1"/>
+          <p:nvPr/>
+        </p:nvSpPr>
+        <p:spPr>
+          <a:xfrm>
+            <a:off x="959468" y="422639"/>
+            <a:ext cx="6506400" cy="646331"/>
+          </a:xfrm>
+          <a:prstGeom prst="rect">
+            <a:avLst/>
+          </a:prstGeom>
+          <a:noFill/>
+        </p:spPr>
+        <p:txBody>
+          <a:bodyPr wrap="square" rtlCol="0">
+            <a:spAutoFit/>
+          </a:bodyPr>
+          <a:lstStyle/>
+          <a:p>
+            <a:r>
+              <a:rPr lang="en-US" altLang="zh-CN" sz="3600" b="1" dirty="0"/>
               <a:t>Pipeline: Preprocessing</a:t>
             </a:r>
             <a:endParaRPr lang="zh-CN" altLang="en-US" sz="3600" b="1" dirty="0"/>
@@ -5117,7 +5286,7 @@
 </p:sld>
 </file>
 
-<file path=ppt/slides/slide5.xml><?xml version="1.0" encoding="utf-8"?>
+<file path=ppt/slides/slide6.xml><?xml version="1.0" encoding="utf-8"?>
 <p:sld xmlns:a="http://schemas.openxmlformats.org/drawingml/2006/main" xmlns:r="http://schemas.openxmlformats.org/officeDocument/2006/relationships" xmlns:p="http://schemas.openxmlformats.org/presentationml/2006/main">
   <p:cSld>
     <p:spTree>
